--- a/docs/diagrams/StorageComponentClassDiagram.pptx
+++ b/docs/diagrams/StorageComponentClassDiagram.pptx
@@ -208,7 +208,7 @@
           <a:p>
             <a:fld id="{F5CC4B3F-88C1-4FFA-B1B6-F41C21DC6924}" type="datetimeFigureOut">
               <a:rPr lang="en-US" smtClean="0"/>
-              <a:t>12/1/2018</a:t>
+              <a:t>3/25/2019</a:t>
             </a:fld>
             <a:endParaRPr lang="en-US"/>
           </a:p>
@@ -654,7 +654,7 @@
           <a:p>
             <a:fld id="{78C97017-6FC3-485B-9764-EAC9E56C1D49}" type="datetimeFigureOut">
               <a:rPr lang="en-US" smtClean="0"/>
-              <a:t>12/1/2018</a:t>
+              <a:t>3/25/2019</a:t>
             </a:fld>
             <a:endParaRPr lang="en-US"/>
           </a:p>
@@ -822,7 +822,7 @@
           <a:p>
             <a:fld id="{78C97017-6FC3-485B-9764-EAC9E56C1D49}" type="datetimeFigureOut">
               <a:rPr lang="en-US" smtClean="0"/>
-              <a:t>12/1/2018</a:t>
+              <a:t>3/25/2019</a:t>
             </a:fld>
             <a:endParaRPr lang="en-US"/>
           </a:p>
@@ -1000,7 +1000,7 @@
           <a:p>
             <a:fld id="{78C97017-6FC3-485B-9764-EAC9E56C1D49}" type="datetimeFigureOut">
               <a:rPr lang="en-US" smtClean="0"/>
-              <a:t>12/1/2018</a:t>
+              <a:t>3/25/2019</a:t>
             </a:fld>
             <a:endParaRPr lang="en-US"/>
           </a:p>
@@ -1168,7 +1168,7 @@
           <a:p>
             <a:fld id="{78C97017-6FC3-485B-9764-EAC9E56C1D49}" type="datetimeFigureOut">
               <a:rPr lang="en-US" smtClean="0"/>
-              <a:t>12/1/2018</a:t>
+              <a:t>3/25/2019</a:t>
             </a:fld>
             <a:endParaRPr lang="en-US"/>
           </a:p>
@@ -1413,7 +1413,7 @@
           <a:p>
             <a:fld id="{78C97017-6FC3-485B-9764-EAC9E56C1D49}" type="datetimeFigureOut">
               <a:rPr lang="en-US" smtClean="0"/>
-              <a:t>12/1/2018</a:t>
+              <a:t>3/25/2019</a:t>
             </a:fld>
             <a:endParaRPr lang="en-US"/>
           </a:p>
@@ -1698,7 +1698,7 @@
           <a:p>
             <a:fld id="{78C97017-6FC3-485B-9764-EAC9E56C1D49}" type="datetimeFigureOut">
               <a:rPr lang="en-US" smtClean="0"/>
-              <a:t>12/1/2018</a:t>
+              <a:t>3/25/2019</a:t>
             </a:fld>
             <a:endParaRPr lang="en-US"/>
           </a:p>
@@ -2117,7 +2117,7 @@
           <a:p>
             <a:fld id="{78C97017-6FC3-485B-9764-EAC9E56C1D49}" type="datetimeFigureOut">
               <a:rPr lang="en-US" smtClean="0"/>
-              <a:t>12/1/2018</a:t>
+              <a:t>3/25/2019</a:t>
             </a:fld>
             <a:endParaRPr lang="en-US"/>
           </a:p>
@@ -2234,7 +2234,7 @@
           <a:p>
             <a:fld id="{78C97017-6FC3-485B-9764-EAC9E56C1D49}" type="datetimeFigureOut">
               <a:rPr lang="en-US" smtClean="0"/>
-              <a:t>12/1/2018</a:t>
+              <a:t>3/25/2019</a:t>
             </a:fld>
             <a:endParaRPr lang="en-US"/>
           </a:p>
@@ -2329,7 +2329,7 @@
           <a:p>
             <a:fld id="{78C97017-6FC3-485B-9764-EAC9E56C1D49}" type="datetimeFigureOut">
               <a:rPr lang="en-US" smtClean="0"/>
-              <a:t>12/1/2018</a:t>
+              <a:t>3/25/2019</a:t>
             </a:fld>
             <a:endParaRPr lang="en-US"/>
           </a:p>
@@ -2604,7 +2604,7 @@
           <a:p>
             <a:fld id="{78C97017-6FC3-485B-9764-EAC9E56C1D49}" type="datetimeFigureOut">
               <a:rPr lang="en-US" smtClean="0"/>
-              <a:t>12/1/2018</a:t>
+              <a:t>3/25/2019</a:t>
             </a:fld>
             <a:endParaRPr lang="en-US"/>
           </a:p>
@@ -2856,7 +2856,7 @@
           <a:p>
             <a:fld id="{78C97017-6FC3-485B-9764-EAC9E56C1D49}" type="datetimeFigureOut">
               <a:rPr lang="en-US" smtClean="0"/>
-              <a:t>12/1/2018</a:t>
+              <a:t>3/25/2019</a:t>
             </a:fld>
             <a:endParaRPr lang="en-US"/>
           </a:p>
@@ -3067,7 +3067,7 @@
           <a:p>
             <a:fld id="{78C97017-6FC3-485B-9764-EAC9E56C1D49}" type="datetimeFigureOut">
               <a:rPr lang="en-US" smtClean="0"/>
-              <a:t>12/1/2018</a:t>
+              <a:t>3/25/2019</a:t>
             </a:fld>
             <a:endParaRPr lang="en-US"/>
           </a:p>
@@ -3450,8 +3450,8 @@
         </p:nvSpPr>
         <p:spPr>
           <a:xfrm>
-            <a:off x="1119865" y="2086382"/>
-            <a:ext cx="7871735" cy="1723618"/>
+            <a:off x="762000" y="2209800"/>
+            <a:ext cx="7871735" cy="2590800"/>
           </a:xfrm>
           <a:prstGeom prst="roundRect">
             <a:avLst>
@@ -3515,7 +3515,7 @@
         </p:nvSpPr>
         <p:spPr>
           <a:xfrm>
-            <a:off x="2877180" y="3158440"/>
+            <a:off x="2516570" y="3234640"/>
             <a:ext cx="1323049" cy="346760"/>
           </a:xfrm>
           <a:prstGeom prst="rect">
@@ -3575,7 +3575,7 @@
                   <a:schemeClr val="bg1"/>
                 </a:solidFill>
               </a:rPr>
-              <a:t>AddressBookStorage</a:t>
+              <a:t>ProjectBookStorage</a:t>
             </a:r>
             <a:endParaRPr lang="en-SG" sz="1050" dirty="0">
               <a:solidFill>
@@ -3593,8 +3593,8 @@
         </p:nvSpPr>
         <p:spPr>
           <a:xfrm rot="16200000">
-            <a:off x="1683963" y="2868687"/>
-            <a:ext cx="1093635" cy="346760"/>
+            <a:off x="907997" y="3360244"/>
+            <a:ext cx="1924348" cy="346760"/>
           </a:xfrm>
           <a:prstGeom prst="rect">
             <a:avLst/>
@@ -3656,7 +3656,7 @@
         </p:nvSpPr>
         <p:spPr>
           <a:xfrm rot="16200000">
-            <a:off x="956202" y="2861202"/>
+            <a:off x="595592" y="2937402"/>
             <a:ext cx="1093635" cy="346760"/>
           </a:xfrm>
           <a:prstGeom prst="rect">
@@ -3730,7 +3730,7 @@
         </p:nvSpPr>
         <p:spPr>
           <a:xfrm rot="16200000">
-            <a:off x="1626910" y="2952291"/>
+            <a:off x="1266300" y="3028491"/>
             <a:ext cx="270504" cy="175523"/>
           </a:xfrm>
           <a:prstGeom prst="triangle">
@@ -3788,7 +3788,7 @@
         </p:nvCxnSpPr>
         <p:spPr>
           <a:xfrm>
-            <a:off x="2656370" y="3326536"/>
+            <a:off x="2295760" y="3402736"/>
             <a:ext cx="220810" cy="5284"/>
           </a:xfrm>
           <a:prstGeom prst="straightConnector1">
@@ -3828,7 +3828,7 @@
         </p:nvCxnSpPr>
         <p:spPr>
           <a:xfrm>
-            <a:off x="910091" y="3040053"/>
+            <a:off x="549481" y="3116253"/>
             <a:ext cx="419548" cy="2860"/>
           </a:xfrm>
           <a:prstGeom prst="bentConnector3">
@@ -3873,7 +3873,7 @@
         </p:nvCxnSpPr>
         <p:spPr>
           <a:xfrm flipV="1">
-            <a:off x="1849924" y="3040052"/>
+            <a:off x="1489314" y="3116252"/>
             <a:ext cx="216105" cy="1"/>
           </a:xfrm>
           <a:prstGeom prst="line">
@@ -3914,7 +3914,7 @@
         </p:nvSpPr>
         <p:spPr>
           <a:xfrm>
-            <a:off x="2420322" y="3239846"/>
+            <a:off x="2059712" y="3316046"/>
             <a:ext cx="236048" cy="173380"/>
           </a:xfrm>
           <a:prstGeom prst="flowChartDecision">
@@ -3968,7 +3968,7 @@
         </p:nvCxnSpPr>
         <p:spPr>
           <a:xfrm flipV="1">
-            <a:off x="4398041" y="3331820"/>
+            <a:off x="4037431" y="3408020"/>
             <a:ext cx="223324" cy="1"/>
           </a:xfrm>
           <a:prstGeom prst="bentConnector3">
@@ -4011,7 +4011,7 @@
         </p:nvSpPr>
         <p:spPr>
           <a:xfrm rot="5400000" flipV="1">
-            <a:off x="4175027" y="3244059"/>
+            <a:off x="3814417" y="3320259"/>
             <a:ext cx="270504" cy="175523"/>
           </a:xfrm>
           <a:prstGeom prst="triangle">
@@ -4069,7 +4069,7 @@
         </p:nvCxnSpPr>
         <p:spPr>
           <a:xfrm>
-            <a:off x="5791200" y="3331820"/>
+            <a:off x="5430590" y="3408020"/>
             <a:ext cx="228600" cy="1970"/>
           </a:xfrm>
           <a:prstGeom prst="bentConnector3">
@@ -4112,7 +4112,7 @@
         </p:nvSpPr>
         <p:spPr>
           <a:xfrm>
-            <a:off x="4621365" y="3158440"/>
+            <a:off x="4260755" y="3234640"/>
             <a:ext cx="1169835" cy="346760"/>
           </a:xfrm>
           <a:prstGeom prst="rect">
@@ -4141,14 +4141,14 @@
           <a:p>
             <a:pPr algn="ctr"/>
             <a:r>
-              <a:rPr lang="en-US" sz="1050" b="1" dirty="0" err="1">
+              <a:rPr lang="en-US" sz="1050" b="1" dirty="0">
                 <a:solidFill>
                   <a:schemeClr val="accent6">
                     <a:lumMod val="75000"/>
                   </a:schemeClr>
                 </a:solidFill>
               </a:rPr>
-              <a:t>JsonAddressBook</a:t>
+              <a:t>Project</a:t>
             </a:r>
             <a:br>
               <a:rPr lang="en-US" sz="1050" b="1" dirty="0">
@@ -4187,7 +4187,7 @@
         </p:nvSpPr>
         <p:spPr>
           <a:xfrm>
-            <a:off x="2873943" y="2558040"/>
+            <a:off x="2513333" y="2634240"/>
             <a:ext cx="1323049" cy="346760"/>
           </a:xfrm>
           <a:prstGeom prst="rect">
@@ -4268,7 +4268,7 @@
         </p:nvCxnSpPr>
         <p:spPr>
           <a:xfrm>
-            <a:off x="2653133" y="2726136"/>
+            <a:off x="2292523" y="2802336"/>
             <a:ext cx="220810" cy="5284"/>
           </a:xfrm>
           <a:prstGeom prst="straightConnector1">
@@ -4308,7 +4308,7 @@
         </p:nvSpPr>
         <p:spPr>
           <a:xfrm>
-            <a:off x="2417085" y="2639446"/>
+            <a:off x="2056475" y="2715646"/>
             <a:ext cx="236048" cy="173380"/>
           </a:xfrm>
           <a:prstGeom prst="flowChartDecision">
@@ -4362,7 +4362,7 @@
         </p:nvCxnSpPr>
         <p:spPr>
           <a:xfrm flipV="1">
-            <a:off x="4394804" y="2731420"/>
+            <a:off x="4034194" y="2807620"/>
             <a:ext cx="223324" cy="1"/>
           </a:xfrm>
           <a:prstGeom prst="bentConnector3">
@@ -4405,7 +4405,7 @@
         </p:nvSpPr>
         <p:spPr>
           <a:xfrm rot="5400000" flipV="1">
-            <a:off x="4171790" y="2643659"/>
+            <a:off x="3811180" y="2719859"/>
             <a:ext cx="270504" cy="175523"/>
           </a:xfrm>
           <a:prstGeom prst="triangle">
@@ -4460,7 +4460,7 @@
         </p:nvSpPr>
         <p:spPr>
           <a:xfrm>
-            <a:off x="4618128" y="2558040"/>
+            <a:off x="4257518" y="2634240"/>
             <a:ext cx="1093635" cy="346760"/>
           </a:xfrm>
           <a:prstGeom prst="rect">
@@ -4538,7 +4538,7 @@
         </p:nvSpPr>
         <p:spPr>
           <a:xfrm>
-            <a:off x="6019800" y="3160410"/>
+            <a:off x="5659190" y="3236610"/>
             <a:ext cx="1200707" cy="346760"/>
           </a:xfrm>
           <a:prstGeom prst="rect">
@@ -4586,22 +4586,15 @@
               </a:rPr>
             </a:br>
             <a:r>
-              <a:rPr lang="en-US" sz="1050" b="1" dirty="0" err="1">
+              <a:rPr lang="en-US" sz="1050" b="1" dirty="0">
                 <a:solidFill>
                   <a:schemeClr val="accent6">
                     <a:lumMod val="75000"/>
                   </a:schemeClr>
                 </a:solidFill>
               </a:rPr>
-              <a:t>AddressBook</a:t>
-            </a:r>
-            <a:endParaRPr lang="en-SG" sz="1050" b="1" dirty="0">
-              <a:solidFill>
-                <a:schemeClr val="accent6">
-                  <a:lumMod val="75000"/>
-                </a:schemeClr>
-              </a:solidFill>
-            </a:endParaRPr>
+              <a:t>Project</a:t>
+            </a:r>
           </a:p>
         </p:txBody>
       </p:sp>
@@ -4617,7 +4610,7 @@
         </p:nvCxnSpPr>
         <p:spPr>
           <a:xfrm rot="16200000" flipV="1">
-            <a:off x="8077993" y="2992019"/>
+            <a:off x="7717383" y="3068219"/>
             <a:ext cx="335208" cy="1"/>
           </a:xfrm>
           <a:prstGeom prst="bentConnector3">
@@ -4655,7 +4648,7 @@
         </p:nvSpPr>
         <p:spPr>
           <a:xfrm>
-            <a:off x="7615736" y="2477656"/>
+            <a:off x="7255126" y="2553856"/>
             <a:ext cx="1259719" cy="346760"/>
           </a:xfrm>
           <a:prstGeom prst="rect">
@@ -4711,7 +4704,7 @@
         </p:nvSpPr>
         <p:spPr>
           <a:xfrm>
-            <a:off x="7615738" y="3159624"/>
+            <a:off x="7255128" y="3235824"/>
             <a:ext cx="1259718" cy="346760"/>
           </a:xfrm>
           <a:prstGeom prst="rect">
@@ -4747,7 +4740,7 @@
                   </a:schemeClr>
                 </a:solidFill>
               </a:rPr>
-              <a:t>JsonAdaptedPerson</a:t>
+              <a:t>JsonAdaptedTask</a:t>
             </a:r>
             <a:endParaRPr lang="en-SG" sz="1030" b="1" dirty="0">
               <a:solidFill>
@@ -4770,7 +4763,654 @@
         </p:nvCxnSpPr>
         <p:spPr>
           <a:xfrm flipV="1">
-            <a:off x="7220507" y="3333004"/>
+            <a:off x="6859897" y="3409204"/>
+            <a:ext cx="395231" cy="786"/>
+          </a:xfrm>
+          <a:prstGeom prst="bentConnector3">
+            <a:avLst>
+              <a:gd name="adj1" fmla="val 50000"/>
+            </a:avLst>
+          </a:prstGeom>
+          <a:ln w="19050">
+            <a:prstDash val="sysDot"/>
+            <a:headEnd type="none" w="med" len="med"/>
+            <a:tailEnd type="arrow" w="med" len="med"/>
+          </a:ln>
+          <a:effectLst/>
+        </p:spPr>
+        <p:style>
+          <a:lnRef idx="1">
+            <a:schemeClr val="accent6"/>
+          </a:lnRef>
+          <a:fillRef idx="2">
+            <a:schemeClr val="accent6"/>
+          </a:fillRef>
+          <a:effectRef idx="1">
+            <a:schemeClr val="accent6"/>
+          </a:effectRef>
+          <a:fontRef idx="minor">
+            <a:schemeClr val="dk1"/>
+          </a:fontRef>
+        </p:style>
+      </p:cxnSp>
+      <p:sp>
+        <p:nvSpPr>
+          <p:cNvPr id="26" name="Rectangle 8">
+            <a:extLst>
+              <a:ext uri="{FF2B5EF4-FFF2-40B4-BE49-F238E27FC236}">
+                <a16:creationId xmlns:a16="http://schemas.microsoft.com/office/drawing/2014/main" id="{B147C745-E348-4575-B1C2-392F897544D4}"/>
+              </a:ext>
+            </a:extLst>
+          </p:cNvPr>
+          <p:cNvSpPr/>
+          <p:nvPr/>
+        </p:nvSpPr>
+        <p:spPr>
+          <a:xfrm>
+            <a:off x="2513333" y="3810000"/>
+            <a:ext cx="1323049" cy="558661"/>
+          </a:xfrm>
+          <a:prstGeom prst="rect">
+            <a:avLst/>
+          </a:prstGeom>
+          <a:solidFill>
+            <a:schemeClr val="accent6">
+              <a:lumMod val="75000"/>
+            </a:schemeClr>
+          </a:solidFill>
+          <a:ln w="19050">
+            <a:solidFill>
+              <a:schemeClr val="accent6">
+                <a:lumMod val="75000"/>
+              </a:schemeClr>
+            </a:solidFill>
+          </a:ln>
+          <a:effectLst/>
+        </p:spPr>
+        <p:style>
+          <a:lnRef idx="1">
+            <a:schemeClr val="accent2"/>
+          </a:lnRef>
+          <a:fillRef idx="2">
+            <a:schemeClr val="accent2"/>
+          </a:fillRef>
+          <a:effectRef idx="1">
+            <a:schemeClr val="accent2"/>
+          </a:effectRef>
+          <a:fontRef idx="minor">
+            <a:schemeClr val="dk1"/>
+          </a:fontRef>
+        </p:style>
+        <p:txBody>
+          <a:bodyPr rtlCol="0" anchor="ctr"/>
+          <a:lstStyle/>
+          <a:p>
+            <a:pPr algn="ctr"/>
+            <a:r>
+              <a:rPr lang="en-US" sz="1050" dirty="0">
+                <a:solidFill>
+                  <a:schemeClr val="bg1"/>
+                </a:solidFill>
+              </a:rPr>
+              <a:t>&lt;&lt;interface&gt;&gt;</a:t>
+            </a:r>
+            <a:br>
+              <a:rPr lang="en-US" sz="1050" dirty="0">
+                <a:solidFill>
+                  <a:schemeClr val="bg1"/>
+                </a:solidFill>
+              </a:rPr>
+            </a:br>
+            <a:r>
+              <a:rPr lang="en-US" sz="1050" dirty="0" err="1">
+                <a:solidFill>
+                  <a:schemeClr val="bg1"/>
+                </a:solidFill>
+              </a:rPr>
+              <a:t>ProjectListStorage</a:t>
+            </a:r>
+            <a:endParaRPr lang="en-SG" sz="1050" dirty="0">
+              <a:solidFill>
+                <a:schemeClr val="bg1"/>
+              </a:solidFill>
+            </a:endParaRPr>
+          </a:p>
+        </p:txBody>
+      </p:sp>
+      <p:cxnSp>
+        <p:nvCxnSpPr>
+          <p:cNvPr id="27" name="Straight Arrow Connector 26">
+            <a:extLst>
+              <a:ext uri="{FF2B5EF4-FFF2-40B4-BE49-F238E27FC236}">
+                <a16:creationId xmlns:a16="http://schemas.microsoft.com/office/drawing/2014/main" id="{E7D64F30-7EE5-4714-BB31-92002C1836FD}"/>
+              </a:ext>
+            </a:extLst>
+          </p:cNvPr>
+          <p:cNvCxnSpPr>
+            <a:cxnSpLocks/>
+            <a:stCxn id="28" idx="3"/>
+            <a:endCxn id="26" idx="1"/>
+          </p:cNvCxnSpPr>
+          <p:nvPr/>
+        </p:nvCxnSpPr>
+        <p:spPr>
+          <a:xfrm>
+            <a:off x="2292523" y="4089331"/>
+            <a:ext cx="220810" cy="0"/>
+          </a:xfrm>
+          <a:prstGeom prst="straightConnector1">
+            <a:avLst/>
+          </a:prstGeom>
+          <a:ln w="19050">
+            <a:solidFill>
+              <a:schemeClr val="accent6">
+                <a:lumMod val="75000"/>
+              </a:schemeClr>
+            </a:solidFill>
+            <a:headEnd type="none" w="med" len="med"/>
+            <a:tailEnd type="arrow" w="med" len="med"/>
+          </a:ln>
+          <a:effectLst/>
+        </p:spPr>
+        <p:style>
+          <a:lnRef idx="1">
+            <a:schemeClr val="accent2"/>
+          </a:lnRef>
+          <a:fillRef idx="2">
+            <a:schemeClr val="accent2"/>
+          </a:fillRef>
+          <a:effectRef idx="1">
+            <a:schemeClr val="accent2"/>
+          </a:effectRef>
+          <a:fontRef idx="minor">
+            <a:schemeClr val="dk1"/>
+          </a:fontRef>
+        </p:style>
+      </p:cxnSp>
+      <p:sp>
+        <p:nvSpPr>
+          <p:cNvPr id="28" name="Flowchart: Decision 96">
+            <a:extLst>
+              <a:ext uri="{FF2B5EF4-FFF2-40B4-BE49-F238E27FC236}">
+                <a16:creationId xmlns:a16="http://schemas.microsoft.com/office/drawing/2014/main" id="{00EF6A91-819E-4D85-9484-538EAC43128F}"/>
+              </a:ext>
+            </a:extLst>
+          </p:cNvPr>
+          <p:cNvSpPr/>
+          <p:nvPr/>
+        </p:nvSpPr>
+        <p:spPr>
+          <a:xfrm>
+            <a:off x="2056475" y="4002641"/>
+            <a:ext cx="236048" cy="173380"/>
+          </a:xfrm>
+          <a:prstGeom prst="flowChartDecision">
+            <a:avLst/>
+          </a:prstGeom>
+          <a:noFill/>
+          <a:ln w="19050">
+            <a:solidFill>
+              <a:schemeClr val="accent6">
+                <a:lumMod val="75000"/>
+              </a:schemeClr>
+            </a:solidFill>
+          </a:ln>
+          <a:effectLst/>
+        </p:spPr>
+        <p:style>
+          <a:lnRef idx="1">
+            <a:schemeClr val="accent2"/>
+          </a:lnRef>
+          <a:fillRef idx="2">
+            <a:schemeClr val="accent2"/>
+          </a:fillRef>
+          <a:effectRef idx="1">
+            <a:schemeClr val="accent2"/>
+          </a:effectRef>
+          <a:fontRef idx="minor">
+            <a:schemeClr val="dk1"/>
+          </a:fontRef>
+        </p:style>
+        <p:txBody>
+          <a:bodyPr rtlCol="0" anchor="ctr"/>
+          <a:lstStyle/>
+          <a:p>
+            <a:pPr algn="ctr"/>
+            <a:endParaRPr lang="en-US" sz="1050">
+              <a:solidFill>
+                <a:schemeClr val="bg1"/>
+              </a:solidFill>
+            </a:endParaRPr>
+          </a:p>
+        </p:txBody>
+      </p:sp>
+      <p:cxnSp>
+        <p:nvCxnSpPr>
+          <p:cNvPr id="29" name="Elbow Connector 63">
+            <a:extLst>
+              <a:ext uri="{FF2B5EF4-FFF2-40B4-BE49-F238E27FC236}">
+                <a16:creationId xmlns:a16="http://schemas.microsoft.com/office/drawing/2014/main" id="{8453A221-34C5-4B56-853E-6579D6AEF8CE}"/>
+              </a:ext>
+            </a:extLst>
+          </p:cNvPr>
+          <p:cNvCxnSpPr>
+            <a:stCxn id="30" idx="3"/>
+            <a:endCxn id="32" idx="1"/>
+          </p:cNvCxnSpPr>
+          <p:nvPr/>
+        </p:nvCxnSpPr>
+        <p:spPr>
+          <a:xfrm flipV="1">
+            <a:off x="4034194" y="4094615"/>
+            <a:ext cx="223324" cy="1"/>
+          </a:xfrm>
+          <a:prstGeom prst="bentConnector3">
+            <a:avLst>
+              <a:gd name="adj1" fmla="val 50000"/>
+            </a:avLst>
+          </a:prstGeom>
+          <a:ln w="19050">
+            <a:solidFill>
+              <a:schemeClr val="accent6">
+                <a:lumMod val="75000"/>
+              </a:schemeClr>
+            </a:solidFill>
+            <a:prstDash val="sysDot"/>
+            <a:headEnd type="none" w="med" len="med"/>
+            <a:tailEnd type="none" w="med" len="med"/>
+          </a:ln>
+          <a:effectLst/>
+        </p:spPr>
+        <p:style>
+          <a:lnRef idx="1">
+            <a:schemeClr val="accent2"/>
+          </a:lnRef>
+          <a:fillRef idx="2">
+            <a:schemeClr val="accent2"/>
+          </a:fillRef>
+          <a:effectRef idx="1">
+            <a:schemeClr val="accent2"/>
+          </a:effectRef>
+          <a:fontRef idx="minor">
+            <a:schemeClr val="dk1"/>
+          </a:fontRef>
+        </p:style>
+      </p:cxnSp>
+      <p:sp>
+        <p:nvSpPr>
+          <p:cNvPr id="30" name="Isosceles Triangle 102">
+            <a:extLst>
+              <a:ext uri="{FF2B5EF4-FFF2-40B4-BE49-F238E27FC236}">
+                <a16:creationId xmlns:a16="http://schemas.microsoft.com/office/drawing/2014/main" id="{EFE9583A-8F67-4E67-8FA5-FB500DC2E914}"/>
+              </a:ext>
+            </a:extLst>
+          </p:cNvPr>
+          <p:cNvSpPr/>
+          <p:nvPr/>
+        </p:nvSpPr>
+        <p:spPr>
+          <a:xfrm rot="5400000" flipV="1">
+            <a:off x="3811180" y="4006854"/>
+            <a:ext cx="270504" cy="175523"/>
+          </a:xfrm>
+          <a:prstGeom prst="triangle">
+            <a:avLst/>
+          </a:prstGeom>
+          <a:solidFill>
+            <a:schemeClr val="accent6">
+              <a:lumMod val="75000"/>
+            </a:schemeClr>
+          </a:solidFill>
+          <a:ln w="19050">
+            <a:solidFill>
+              <a:schemeClr val="accent6">
+                <a:lumMod val="75000"/>
+              </a:schemeClr>
+            </a:solidFill>
+          </a:ln>
+          <a:effectLst/>
+        </p:spPr>
+        <p:style>
+          <a:lnRef idx="1">
+            <a:schemeClr val="accent2"/>
+          </a:lnRef>
+          <a:fillRef idx="2">
+            <a:schemeClr val="accent2"/>
+          </a:fillRef>
+          <a:effectRef idx="1">
+            <a:schemeClr val="accent2"/>
+          </a:effectRef>
+          <a:fontRef idx="minor">
+            <a:schemeClr val="dk1"/>
+          </a:fontRef>
+        </p:style>
+        <p:txBody>
+          <a:bodyPr rtlCol="0" anchor="ctr"/>
+          <a:lstStyle/>
+          <a:p>
+            <a:pPr algn="ctr"/>
+            <a:endParaRPr lang="en-SG" sz="1050">
+              <a:solidFill>
+                <a:schemeClr val="bg1"/>
+              </a:solidFill>
+            </a:endParaRPr>
+          </a:p>
+        </p:txBody>
+      </p:sp>
+      <p:cxnSp>
+        <p:nvCxnSpPr>
+          <p:cNvPr id="31" name="Elbow Connector 122">
+            <a:extLst>
+              <a:ext uri="{FF2B5EF4-FFF2-40B4-BE49-F238E27FC236}">
+                <a16:creationId xmlns:a16="http://schemas.microsoft.com/office/drawing/2014/main" id="{08BC9FDA-9F71-4919-8F5A-63F79312AD32}"/>
+              </a:ext>
+            </a:extLst>
+          </p:cNvPr>
+          <p:cNvCxnSpPr>
+            <a:stCxn id="32" idx="3"/>
+            <a:endCxn id="39" idx="1"/>
+          </p:cNvCxnSpPr>
+          <p:nvPr/>
+        </p:nvCxnSpPr>
+        <p:spPr>
+          <a:xfrm>
+            <a:off x="5427353" y="4094615"/>
+            <a:ext cx="228600" cy="1970"/>
+          </a:xfrm>
+          <a:prstGeom prst="bentConnector3">
+            <a:avLst>
+              <a:gd name="adj1" fmla="val 50000"/>
+            </a:avLst>
+          </a:prstGeom>
+          <a:ln w="19050">
+            <a:solidFill>
+              <a:schemeClr val="accent6">
+                <a:lumMod val="75000"/>
+              </a:schemeClr>
+            </a:solidFill>
+            <a:prstDash val="sysDot"/>
+            <a:headEnd type="none" w="med" len="med"/>
+            <a:tailEnd type="arrow" w="med" len="med"/>
+          </a:ln>
+          <a:effectLst/>
+        </p:spPr>
+        <p:style>
+          <a:lnRef idx="1">
+            <a:schemeClr val="accent2"/>
+          </a:lnRef>
+          <a:fillRef idx="2">
+            <a:schemeClr val="accent2"/>
+          </a:fillRef>
+          <a:effectRef idx="1">
+            <a:schemeClr val="accent2"/>
+          </a:effectRef>
+          <a:fontRef idx="minor">
+            <a:schemeClr val="dk1"/>
+          </a:fontRef>
+        </p:style>
+      </p:cxnSp>
+      <p:sp>
+        <p:nvSpPr>
+          <p:cNvPr id="32" name="Rectangle 8">
+            <a:extLst>
+              <a:ext uri="{FF2B5EF4-FFF2-40B4-BE49-F238E27FC236}">
+                <a16:creationId xmlns:a16="http://schemas.microsoft.com/office/drawing/2014/main" id="{E22F394D-D0DB-4EA8-8557-46A11E718420}"/>
+              </a:ext>
+            </a:extLst>
+          </p:cNvPr>
+          <p:cNvSpPr/>
+          <p:nvPr/>
+        </p:nvSpPr>
+        <p:spPr>
+          <a:xfrm>
+            <a:off x="4257518" y="3921235"/>
+            <a:ext cx="1169835" cy="346760"/>
+          </a:xfrm>
+          <a:prstGeom prst="rect">
+            <a:avLst/>
+          </a:prstGeom>
+          <a:ln w="19050"/>
+          <a:effectLst/>
+        </p:spPr>
+        <p:style>
+          <a:lnRef idx="1">
+            <a:schemeClr val="accent6"/>
+          </a:lnRef>
+          <a:fillRef idx="2">
+            <a:schemeClr val="accent6"/>
+          </a:fillRef>
+          <a:effectRef idx="1">
+            <a:schemeClr val="accent6"/>
+          </a:effectRef>
+          <a:fontRef idx="minor">
+            <a:schemeClr val="dk1"/>
+          </a:fontRef>
+        </p:style>
+        <p:txBody>
+          <a:bodyPr rtlCol="0" anchor="ctr"/>
+          <a:lstStyle/>
+          <a:p>
+            <a:pPr algn="ctr"/>
+            <a:r>
+              <a:rPr lang="en-US" sz="1050" b="1" dirty="0" err="1">
+                <a:solidFill>
+                  <a:schemeClr val="accent6">
+                    <a:lumMod val="75000"/>
+                  </a:schemeClr>
+                </a:solidFill>
+              </a:rPr>
+              <a:t>ProjectList</a:t>
+            </a:r>
+            <a:br>
+              <a:rPr lang="en-US" sz="1050" b="1" dirty="0">
+                <a:solidFill>
+                  <a:schemeClr val="accent6">
+                    <a:lumMod val="75000"/>
+                  </a:schemeClr>
+                </a:solidFill>
+              </a:rPr>
+            </a:br>
+            <a:r>
+              <a:rPr lang="en-US" sz="1050" b="1" dirty="0">
+                <a:solidFill>
+                  <a:schemeClr val="accent6">
+                    <a:lumMod val="75000"/>
+                  </a:schemeClr>
+                </a:solidFill>
+              </a:rPr>
+              <a:t>Storage</a:t>
+            </a:r>
+            <a:endParaRPr lang="en-SG" sz="1050" b="1" dirty="0">
+              <a:solidFill>
+                <a:schemeClr val="accent6">
+                  <a:lumMod val="75000"/>
+                </a:schemeClr>
+              </a:solidFill>
+            </a:endParaRPr>
+          </a:p>
+        </p:txBody>
+      </p:sp>
+      <p:sp>
+        <p:nvSpPr>
+          <p:cNvPr id="39" name="Rectangle 8">
+            <a:extLst>
+              <a:ext uri="{FF2B5EF4-FFF2-40B4-BE49-F238E27FC236}">
+                <a16:creationId xmlns:a16="http://schemas.microsoft.com/office/drawing/2014/main" id="{C1D78098-534A-4A41-B45B-1DF94155C2DF}"/>
+              </a:ext>
+            </a:extLst>
+          </p:cNvPr>
+          <p:cNvSpPr/>
+          <p:nvPr/>
+        </p:nvSpPr>
+        <p:spPr>
+          <a:xfrm>
+            <a:off x="5655953" y="3923205"/>
+            <a:ext cx="1200707" cy="346760"/>
+          </a:xfrm>
+          <a:prstGeom prst="rect">
+            <a:avLst/>
+          </a:prstGeom>
+          <a:ln w="19050"/>
+          <a:effectLst/>
+        </p:spPr>
+        <p:style>
+          <a:lnRef idx="1">
+            <a:schemeClr val="accent6"/>
+          </a:lnRef>
+          <a:fillRef idx="2">
+            <a:schemeClr val="accent6"/>
+          </a:fillRef>
+          <a:effectRef idx="1">
+            <a:schemeClr val="accent6"/>
+          </a:effectRef>
+          <a:fontRef idx="minor">
+            <a:schemeClr val="dk1"/>
+          </a:fontRef>
+        </p:style>
+        <p:txBody>
+          <a:bodyPr rtlCol="0" anchor="ctr"/>
+          <a:lstStyle/>
+          <a:p>
+            <a:pPr algn="ctr"/>
+            <a:r>
+              <a:rPr lang="en-US" sz="1050" b="1" dirty="0" err="1">
+                <a:solidFill>
+                  <a:schemeClr val="accent6">
+                    <a:lumMod val="75000"/>
+                  </a:schemeClr>
+                </a:solidFill>
+              </a:rPr>
+              <a:t>JsonSerializable</a:t>
+            </a:r>
+            <a:br>
+              <a:rPr lang="en-US" sz="1050" b="1" dirty="0">
+                <a:solidFill>
+                  <a:schemeClr val="accent6">
+                    <a:lumMod val="75000"/>
+                  </a:schemeClr>
+                </a:solidFill>
+              </a:rPr>
+            </a:br>
+            <a:r>
+              <a:rPr lang="en-US" sz="1050" b="1" dirty="0" err="1">
+                <a:solidFill>
+                  <a:schemeClr val="accent6">
+                    <a:lumMod val="75000"/>
+                  </a:schemeClr>
+                </a:solidFill>
+              </a:rPr>
+              <a:t>ProjectList</a:t>
+            </a:r>
+            <a:endParaRPr lang="en-US" sz="1050" b="1" dirty="0">
+              <a:solidFill>
+                <a:schemeClr val="accent6">
+                  <a:lumMod val="75000"/>
+                </a:schemeClr>
+              </a:solidFill>
+            </a:endParaRPr>
+          </a:p>
+        </p:txBody>
+      </p:sp>
+      <p:sp>
+        <p:nvSpPr>
+          <p:cNvPr id="43" name="Rectangle 8">
+            <a:extLst>
+              <a:ext uri="{FF2B5EF4-FFF2-40B4-BE49-F238E27FC236}">
+                <a16:creationId xmlns:a16="http://schemas.microsoft.com/office/drawing/2014/main" id="{010FD023-AF99-4E0C-94DA-4E6F021FB35D}"/>
+              </a:ext>
+            </a:extLst>
+          </p:cNvPr>
+          <p:cNvSpPr/>
+          <p:nvPr/>
+        </p:nvSpPr>
+        <p:spPr>
+          <a:xfrm>
+            <a:off x="7251891" y="3922419"/>
+            <a:ext cx="1259718" cy="346760"/>
+          </a:xfrm>
+          <a:prstGeom prst="rect">
+            <a:avLst/>
+          </a:prstGeom>
+          <a:ln w="19050"/>
+          <a:effectLst/>
+        </p:spPr>
+        <p:style>
+          <a:lnRef idx="1">
+            <a:schemeClr val="accent6"/>
+          </a:lnRef>
+          <a:fillRef idx="2">
+            <a:schemeClr val="accent6"/>
+          </a:fillRef>
+          <a:effectRef idx="1">
+            <a:schemeClr val="accent6"/>
+          </a:effectRef>
+          <a:fontRef idx="minor">
+            <a:schemeClr val="dk1"/>
+          </a:fontRef>
+        </p:style>
+        <p:txBody>
+          <a:bodyPr rtlCol="0" anchor="ctr"/>
+          <a:lstStyle/>
+          <a:p>
+            <a:pPr algn="ctr"/>
+            <a:r>
+              <a:rPr lang="en-US" sz="1030" b="1" dirty="0" err="1">
+                <a:solidFill>
+                  <a:schemeClr val="accent6">
+                    <a:lumMod val="75000"/>
+                  </a:schemeClr>
+                </a:solidFill>
+              </a:rPr>
+              <a:t>JsonAdapted</a:t>
+            </a:r>
+            <a:endParaRPr lang="en-US" sz="1030" b="1" dirty="0">
+              <a:solidFill>
+                <a:schemeClr val="accent6">
+                  <a:lumMod val="75000"/>
+                </a:schemeClr>
+              </a:solidFill>
+            </a:endParaRPr>
+          </a:p>
+          <a:p>
+            <a:pPr algn="ctr"/>
+            <a:r>
+              <a:rPr lang="en-US" sz="1030" b="1" dirty="0" err="1">
+                <a:solidFill>
+                  <a:schemeClr val="accent6">
+                    <a:lumMod val="75000"/>
+                  </a:schemeClr>
+                </a:solidFill>
+              </a:rPr>
+              <a:t>ProjectList</a:t>
+            </a:r>
+            <a:endParaRPr lang="en-SG" sz="1030" b="1" dirty="0">
+              <a:solidFill>
+                <a:schemeClr val="accent6">
+                  <a:lumMod val="75000"/>
+                </a:schemeClr>
+              </a:solidFill>
+            </a:endParaRPr>
+          </a:p>
+        </p:txBody>
+      </p:sp>
+      <p:cxnSp>
+        <p:nvCxnSpPr>
+          <p:cNvPr id="44" name="Elbow Connector 122">
+            <a:extLst>
+              <a:ext uri="{FF2B5EF4-FFF2-40B4-BE49-F238E27FC236}">
+                <a16:creationId xmlns:a16="http://schemas.microsoft.com/office/drawing/2014/main" id="{1E9A19B3-20BC-4F3E-AD39-9C7D45A16E70}"/>
+              </a:ext>
+            </a:extLst>
+          </p:cNvPr>
+          <p:cNvCxnSpPr>
+            <a:stCxn id="39" idx="3"/>
+            <a:endCxn id="43" idx="1"/>
+          </p:cNvCxnSpPr>
+          <p:nvPr/>
+        </p:nvCxnSpPr>
+        <p:spPr>
+          <a:xfrm flipV="1">
+            <a:off x="6856660" y="4095799"/>
             <a:ext cx="395231" cy="786"/>
           </a:xfrm>
           <a:prstGeom prst="bentConnector3">
